--- a/docs/resources/Fig14_2.pptx
+++ b/docs/resources/Fig14_2.pptx
@@ -259,7 +259,7 @@
           <a:p>
             <a:fld id="{89C48F96-F5DF-4FE2-ADA7-494B7CCFAB53}" type="datetimeFigureOut">
               <a:rPr lang="es-ES" smtClean="0"/>
-              <a:t>15/05/2019</a:t>
+              <a:t>21/05/2019</a:t>
             </a:fld>
             <a:endParaRPr lang="es-ES"/>
           </a:p>
@@ -457,7 +457,7 @@
           <a:p>
             <a:fld id="{89C48F96-F5DF-4FE2-ADA7-494B7CCFAB53}" type="datetimeFigureOut">
               <a:rPr lang="es-ES" smtClean="0"/>
-              <a:t>15/05/2019</a:t>
+              <a:t>21/05/2019</a:t>
             </a:fld>
             <a:endParaRPr lang="es-ES"/>
           </a:p>
@@ -665,7 +665,7 @@
           <a:p>
             <a:fld id="{89C48F96-F5DF-4FE2-ADA7-494B7CCFAB53}" type="datetimeFigureOut">
               <a:rPr lang="es-ES" smtClean="0"/>
-              <a:t>15/05/2019</a:t>
+              <a:t>21/05/2019</a:t>
             </a:fld>
             <a:endParaRPr lang="es-ES"/>
           </a:p>
@@ -863,7 +863,7 @@
           <a:p>
             <a:fld id="{89C48F96-F5DF-4FE2-ADA7-494B7CCFAB53}" type="datetimeFigureOut">
               <a:rPr lang="es-ES" smtClean="0"/>
-              <a:t>15/05/2019</a:t>
+              <a:t>21/05/2019</a:t>
             </a:fld>
             <a:endParaRPr lang="es-ES"/>
           </a:p>
@@ -1138,7 +1138,7 @@
           <a:p>
             <a:fld id="{89C48F96-F5DF-4FE2-ADA7-494B7CCFAB53}" type="datetimeFigureOut">
               <a:rPr lang="es-ES" smtClean="0"/>
-              <a:t>15/05/2019</a:t>
+              <a:t>21/05/2019</a:t>
             </a:fld>
             <a:endParaRPr lang="es-ES"/>
           </a:p>
@@ -1403,7 +1403,7 @@
           <a:p>
             <a:fld id="{89C48F96-F5DF-4FE2-ADA7-494B7CCFAB53}" type="datetimeFigureOut">
               <a:rPr lang="es-ES" smtClean="0"/>
-              <a:t>15/05/2019</a:t>
+              <a:t>21/05/2019</a:t>
             </a:fld>
             <a:endParaRPr lang="es-ES"/>
           </a:p>
@@ -1815,7 +1815,7 @@
           <a:p>
             <a:fld id="{89C48F96-F5DF-4FE2-ADA7-494B7CCFAB53}" type="datetimeFigureOut">
               <a:rPr lang="es-ES" smtClean="0"/>
-              <a:t>15/05/2019</a:t>
+              <a:t>21/05/2019</a:t>
             </a:fld>
             <a:endParaRPr lang="es-ES"/>
           </a:p>
@@ -1956,7 +1956,7 @@
           <a:p>
             <a:fld id="{89C48F96-F5DF-4FE2-ADA7-494B7CCFAB53}" type="datetimeFigureOut">
               <a:rPr lang="es-ES" smtClean="0"/>
-              <a:t>15/05/2019</a:t>
+              <a:t>21/05/2019</a:t>
             </a:fld>
             <a:endParaRPr lang="es-ES"/>
           </a:p>
@@ -2069,7 +2069,7 @@
           <a:p>
             <a:fld id="{89C48F96-F5DF-4FE2-ADA7-494B7CCFAB53}" type="datetimeFigureOut">
               <a:rPr lang="es-ES" smtClean="0"/>
-              <a:t>15/05/2019</a:t>
+              <a:t>21/05/2019</a:t>
             </a:fld>
             <a:endParaRPr lang="es-ES"/>
           </a:p>
@@ -2380,7 +2380,7 @@
           <a:p>
             <a:fld id="{89C48F96-F5DF-4FE2-ADA7-494B7CCFAB53}" type="datetimeFigureOut">
               <a:rPr lang="es-ES" smtClean="0"/>
-              <a:t>15/05/2019</a:t>
+              <a:t>21/05/2019</a:t>
             </a:fld>
             <a:endParaRPr lang="es-ES"/>
           </a:p>
@@ -2668,7 +2668,7 @@
           <a:p>
             <a:fld id="{89C48F96-F5DF-4FE2-ADA7-494B7CCFAB53}" type="datetimeFigureOut">
               <a:rPr lang="es-ES" smtClean="0"/>
-              <a:t>15/05/2019</a:t>
+              <a:t>21/05/2019</a:t>
             </a:fld>
             <a:endParaRPr lang="es-ES"/>
           </a:p>
@@ -2909,7 +2909,7 @@
           <a:p>
             <a:fld id="{89C48F96-F5DF-4FE2-ADA7-494B7CCFAB53}" type="datetimeFigureOut">
               <a:rPr lang="es-ES" smtClean="0"/>
-              <a:t>15/05/2019</a:t>
+              <a:t>21/05/2019</a:t>
             </a:fld>
             <a:endParaRPr lang="es-ES"/>
           </a:p>
@@ -3893,7 +3893,7 @@
                   <a:solidFill>
                     <a:schemeClr val="tx1"/>
                   </a:solidFill>
-                  <a:tailEnd type="triangle" w="med" len="sm"/>
+                  <a:tailEnd type="triangle" w="lg" len="lg"/>
                 </a:ln>
               </p:spPr>
               <p:style>
@@ -3939,7 +3939,7 @@
                   <a:solidFill>
                     <a:schemeClr val="tx1"/>
                   </a:solidFill>
-                  <a:tailEnd type="triangle" w="med" len="sm"/>
+                  <a:tailEnd type="triangle" w="lg" len="lg"/>
                 </a:ln>
               </p:spPr>
               <p:style>
@@ -3985,7 +3985,7 @@
                   <a:solidFill>
                     <a:schemeClr val="tx1"/>
                   </a:solidFill>
-                  <a:tailEnd type="triangle" w="med" len="sm"/>
+                  <a:tailEnd type="triangle" w="lg" len="lg"/>
                 </a:ln>
               </p:spPr>
               <p:style>
@@ -4031,7 +4031,7 @@
                   <a:solidFill>
                     <a:schemeClr val="tx1"/>
                   </a:solidFill>
-                  <a:tailEnd type="triangle" w="med" len="sm"/>
+                  <a:tailEnd type="triangle" w="lg" len="lg"/>
                 </a:ln>
               </p:spPr>
               <p:style>
@@ -4077,7 +4077,7 @@
                   <a:solidFill>
                     <a:schemeClr val="tx1"/>
                   </a:solidFill>
-                  <a:tailEnd type="triangle" w="med" len="sm"/>
+                  <a:tailEnd type="triangle" w="lg" len="lg"/>
                 </a:ln>
               </p:spPr>
               <p:style>
@@ -4123,7 +4123,7 @@
                   <a:solidFill>
                     <a:schemeClr val="tx1"/>
                   </a:solidFill>
-                  <a:tailEnd type="triangle" w="med" len="sm"/>
+                  <a:tailEnd type="triangle" w="lg" len="lg"/>
                 </a:ln>
               </p:spPr>
               <p:style>
@@ -4191,7 +4191,7 @@
                 <a:solidFill>
                   <a:schemeClr val="tx1"/>
                 </a:solidFill>
-                <a:tailEnd type="triangle" w="med" len="sm"/>
+                <a:tailEnd type="triangle" w="lg" len="lg"/>
               </a:ln>
             </p:spPr>
             <p:style>
@@ -4237,7 +4237,7 @@
                 <a:solidFill>
                   <a:schemeClr val="tx1"/>
                 </a:solidFill>
-                <a:tailEnd type="triangle" w="med" len="sm"/>
+                <a:tailEnd type="triangle" w="lg" len="lg"/>
               </a:ln>
             </p:spPr>
             <p:style>
@@ -4304,7 +4304,7 @@
                 <a:solidFill>
                   <a:schemeClr val="tx1"/>
                 </a:solidFill>
-                <a:tailEnd type="triangle" w="med" len="sm"/>
+                <a:tailEnd type="triangle" w="lg" len="lg"/>
               </a:ln>
             </p:spPr>
             <p:style>
@@ -4350,7 +4350,7 @@
                 <a:solidFill>
                   <a:schemeClr val="tx1"/>
                 </a:solidFill>
-                <a:tailEnd type="triangle" w="med" len="sm"/>
+                <a:tailEnd type="triangle" w="lg" len="lg"/>
               </a:ln>
             </p:spPr>
             <p:style>
